--- a/DsDotNet/src/UnitTest/UnitTest.Model/ImportOfficeExample/demo/ppt/Lib/Conveyor/CV.pptx
+++ b/DsDotNet/src/UnitTest/UnitTest.Model/ImportOfficeExample/demo/ppt/Lib/Conveyor/CV.pptx
@@ -4002,7 +4002,7 @@
           <a:effectLst/>
           <a:extLst>
             <a:ext uri="{91240B29-F687-4f45-9708-019B960494DF}">
-              <a14:hiddenLine xmlns:a14="http://schemas.microsoft.com/office/drawing/2010/main" xmlns="" w="9525">
+              <a14:hiddenLine xmlns="" xmlns:a14="http://schemas.microsoft.com/office/drawing/2010/main" w="9525">
                 <a:solidFill>
                   <a:srgbClr val="000000"/>
                 </a:solidFill>
@@ -4194,7 +4194,7 @@
           <a:p>
             <a:fld id="{3E1D827B-9946-4E0D-97BA-FFCB17A9AF00}" type="datetimeFigureOut">
               <a:rPr lang="ko-KR" altLang="en-US" smtClean="0"/>
-              <a:t>2023-10-13</a:t>
+              <a:t>2023-11-22</a:t>
             </a:fld>
             <a:endParaRPr lang="ko-KR" altLang="en-US"/>
           </a:p>
@@ -4512,7 +4512,7 @@
           <a:p>
             <a:fld id="{3E1D827B-9946-4E0D-97BA-FFCB17A9AF00}" type="datetimeFigureOut">
               <a:rPr lang="ko-KR" altLang="en-US" smtClean="0"/>
-              <a:t>2023-10-13</a:t>
+              <a:t>2023-11-22</a:t>
             </a:fld>
             <a:endParaRPr lang="ko-KR" altLang="en-US"/>
           </a:p>
@@ -5000,7 +5000,7 @@
           <a:p>
             <a:fld id="{3E1D827B-9946-4E0D-97BA-FFCB17A9AF00}" type="datetimeFigureOut">
               <a:rPr lang="ko-KR" altLang="en-US" smtClean="0"/>
-              <a:t>2023-10-13</a:t>
+              <a:t>2023-11-22</a:t>
             </a:fld>
             <a:endParaRPr lang="ko-KR" altLang="en-US"/>
           </a:p>
@@ -5369,7 +5369,7 @@
           <a:p>
             <a:fld id="{3E1D827B-9946-4E0D-97BA-FFCB17A9AF00}" type="datetimeFigureOut">
               <a:rPr lang="ko-KR" altLang="en-US" smtClean="0"/>
-              <a:t>2023-10-13</a:t>
+              <a:t>2023-11-22</a:t>
             </a:fld>
             <a:endParaRPr lang="ko-KR" altLang="en-US"/>
           </a:p>
@@ -5524,7 +5524,7 @@
           <a:ln/>
           <a:extLst>
             <a:ext uri="{91240B29-F687-4f45-9708-019B960494DF}">
-              <a14:hiddenLine xmlns:a14="http://schemas.microsoft.com/office/drawing/2010/main" xmlns="" w="9525">
+              <a14:hiddenLine xmlns="" xmlns:a14="http://schemas.microsoft.com/office/drawing/2010/main" w="9525">
                 <a:solidFill>
                   <a:srgbClr val="000000"/>
                 </a:solidFill>
@@ -5642,7 +5642,7 @@
           <a:p>
             <a:fld id="{3E1D827B-9946-4E0D-97BA-FFCB17A9AF00}" type="datetimeFigureOut">
               <a:rPr lang="ko-KR" altLang="en-US" smtClean="0"/>
-              <a:t>2023-10-13</a:t>
+              <a:t>2023-11-22</a:t>
             </a:fld>
             <a:endParaRPr lang="ko-KR" altLang="en-US"/>
           </a:p>
@@ -5799,7 +5799,7 @@
           <a:ln/>
           <a:extLst>
             <a:ext uri="{91240B29-F687-4f45-9708-019B960494DF}">
-              <a14:hiddenLine xmlns:a14="http://schemas.microsoft.com/office/drawing/2010/main" xmlns="" w="9525">
+              <a14:hiddenLine xmlns="" xmlns:a14="http://schemas.microsoft.com/office/drawing/2010/main" w="9525">
                 <a:solidFill>
                   <a:srgbClr val="000000"/>
                 </a:solidFill>
@@ -5927,7 +5927,7 @@
           <a:p>
             <a:fld id="{3E1D827B-9946-4E0D-97BA-FFCB17A9AF00}" type="datetimeFigureOut">
               <a:rPr lang="ko-KR" altLang="en-US" smtClean="0"/>
-              <a:t>2023-10-13</a:t>
+              <a:t>2023-11-22</a:t>
             </a:fld>
             <a:endParaRPr lang="ko-KR" altLang="en-US"/>
           </a:p>
@@ -6022,7 +6022,7 @@
           <a:p>
             <a:fld id="{3E1D827B-9946-4E0D-97BA-FFCB17A9AF00}" type="datetimeFigureOut">
               <a:rPr lang="ko-KR" altLang="en-US" smtClean="0"/>
-              <a:t>2023-10-13</a:t>
+              <a:t>2023-11-22</a:t>
             </a:fld>
             <a:endParaRPr lang="ko-KR" altLang="en-US"/>
           </a:p>
@@ -6247,7 +6247,7 @@
           <a:ln/>
           <a:extLst>
             <a:ext uri="{91240B29-F687-4f45-9708-019B960494DF}">
-              <a14:hiddenLine xmlns:a14="http://schemas.microsoft.com/office/drawing/2010/main" xmlns="" w="9525">
+              <a14:hiddenLine xmlns="" xmlns:a14="http://schemas.microsoft.com/office/drawing/2010/main" w="9525">
                 <a:solidFill>
                   <a:srgbClr val="000000"/>
                 </a:solidFill>
@@ -6375,7 +6375,7 @@
           <a:p>
             <a:fld id="{3E1D827B-9946-4E0D-97BA-FFCB17A9AF00}" type="datetimeFigureOut">
               <a:rPr lang="ko-KR" altLang="en-US" smtClean="0"/>
-              <a:t>2023-10-13</a:t>
+              <a:t>2023-11-22</a:t>
             </a:fld>
             <a:endParaRPr lang="ko-KR" altLang="en-US"/>
           </a:p>
@@ -6718,7 +6718,7 @@
           <a:p>
             <a:fld id="{3E1D827B-9946-4E0D-97BA-FFCB17A9AF00}" type="datetimeFigureOut">
               <a:rPr lang="ko-KR" altLang="en-US" smtClean="0"/>
-              <a:t>2023-10-13</a:t>
+              <a:t>2023-11-22</a:t>
             </a:fld>
             <a:endParaRPr lang="ko-KR" altLang="en-US"/>
           </a:p>
@@ -6873,7 +6873,7 @@
           <a:ln/>
           <a:extLst>
             <a:ext uri="{91240B29-F687-4f45-9708-019B960494DF}">
-              <a14:hiddenLine xmlns:a14="http://schemas.microsoft.com/office/drawing/2010/main" xmlns="" w="9525">
+              <a14:hiddenLine xmlns="" xmlns:a14="http://schemas.microsoft.com/office/drawing/2010/main" w="9525">
                 <a:solidFill>
                   <a:srgbClr val="000000"/>
                 </a:solidFill>
@@ -7057,7 +7057,7 @@
           <a:p>
             <a:fld id="{3E1D827B-9946-4E0D-97BA-FFCB17A9AF00}" type="datetimeFigureOut">
               <a:rPr lang="ko-KR" altLang="en-US" smtClean="0"/>
-              <a:t>2023-10-13</a:t>
+              <a:t>2023-11-22</a:t>
             </a:fld>
             <a:endParaRPr lang="ko-KR" altLang="en-US"/>
           </a:p>
@@ -7217,7 +7217,7 @@
           <a:ln/>
           <a:extLst>
             <a:ext uri="{91240B29-F687-4f45-9708-019B960494DF}">
-              <a14:hiddenLine xmlns:a14="http://schemas.microsoft.com/office/drawing/2010/main" xmlns="" w="9525">
+              <a14:hiddenLine xmlns="" xmlns:a14="http://schemas.microsoft.com/office/drawing/2010/main" w="9525">
                 <a:solidFill>
                   <a:srgbClr val="000000"/>
                 </a:solidFill>
@@ -7539,7 +7539,7 @@
           <a:p>
             <a:fld id="{3E1D827B-9946-4E0D-97BA-FFCB17A9AF00}" type="datetimeFigureOut">
               <a:rPr lang="ko-KR" altLang="en-US" smtClean="0"/>
-              <a:t>2023-10-13</a:t>
+              <a:t>2023-11-22</a:t>
             </a:fld>
             <a:endParaRPr lang="ko-KR" altLang="en-US"/>
           </a:p>
@@ -7699,7 +7699,7 @@
           <a:ln/>
           <a:extLst>
             <a:ext uri="{91240B29-F687-4f45-9708-019B960494DF}">
-              <a14:hiddenLine xmlns:a14="http://schemas.microsoft.com/office/drawing/2010/main" xmlns="" w="9525">
+              <a14:hiddenLine xmlns="" xmlns:a14="http://schemas.microsoft.com/office/drawing/2010/main" w="9525">
                 <a:solidFill>
                   <a:srgbClr val="000000"/>
                 </a:solidFill>
@@ -7765,7 +7765,7 @@
           <a:p>
             <a:fld id="{3E1D827B-9946-4E0D-97BA-FFCB17A9AF00}" type="datetimeFigureOut">
               <a:rPr lang="ko-KR" altLang="en-US" smtClean="0"/>
-              <a:t>2023-10-13</a:t>
+              <a:t>2023-11-22</a:t>
             </a:fld>
             <a:endParaRPr lang="ko-KR" altLang="en-US"/>
           </a:p>
@@ -7860,7 +7860,7 @@
           <a:p>
             <a:fld id="{3E1D827B-9946-4E0D-97BA-FFCB17A9AF00}" type="datetimeFigureOut">
               <a:rPr lang="ko-KR" altLang="en-US" smtClean="0"/>
-              <a:t>2023-10-13</a:t>
+              <a:t>2023-11-22</a:t>
             </a:fld>
             <a:endParaRPr lang="ko-KR" altLang="en-US"/>
           </a:p>
@@ -8128,7 +8128,7 @@
           <a:ln/>
           <a:extLst>
             <a:ext uri="{91240B29-F687-4f45-9708-019B960494DF}">
-              <a14:hiddenLine xmlns:a14="http://schemas.microsoft.com/office/drawing/2010/main" xmlns="" w="9525">
+              <a14:hiddenLine xmlns="" xmlns:a14="http://schemas.microsoft.com/office/drawing/2010/main" w="9525">
                 <a:solidFill>
                   <a:srgbClr val="000000"/>
                 </a:solidFill>
@@ -8327,7 +8327,7 @@
           <a:p>
             <a:fld id="{3E1D827B-9946-4E0D-97BA-FFCB17A9AF00}" type="datetimeFigureOut">
               <a:rPr lang="ko-KR" altLang="en-US" smtClean="0"/>
-              <a:t>2023-10-13</a:t>
+              <a:t>2023-11-22</a:t>
             </a:fld>
             <a:endParaRPr lang="ko-KR" altLang="en-US"/>
           </a:p>
@@ -8645,7 +8645,7 @@
           <a:p>
             <a:fld id="{3E1D827B-9946-4E0D-97BA-FFCB17A9AF00}" type="datetimeFigureOut">
               <a:rPr lang="ko-KR" altLang="en-US" smtClean="0"/>
-              <a:t>2023-10-13</a:t>
+              <a:t>2023-11-22</a:t>
             </a:fld>
             <a:endParaRPr lang="ko-KR" altLang="en-US"/>
           </a:p>
@@ -8915,7 +8915,7 @@
           <a:p>
             <a:fld id="{3E1D827B-9946-4E0D-97BA-FFCB17A9AF00}" type="datetimeFigureOut">
               <a:rPr lang="ko-KR" altLang="en-US" smtClean="0"/>
-              <a:t>2023-10-13</a:t>
+              <a:t>2023-11-22</a:t>
             </a:fld>
             <a:endParaRPr lang="ko-KR" altLang="en-US"/>
           </a:p>
@@ -9497,7 +9497,7 @@
         </p:nvSpPr>
         <p:spPr>
           <a:xfrm>
-            <a:off x="253376" y="104588"/>
+            <a:off x="-102519" y="2828913"/>
             <a:ext cx="2422712" cy="600087"/>
           </a:xfrm>
           <a:prstGeom prst="homePlate">
@@ -9973,7 +9973,7 @@
         </p:nvSpPr>
         <p:spPr>
           <a:xfrm>
-            <a:off x="253376" y="1539648"/>
+            <a:off x="-102519" y="4263973"/>
             <a:ext cx="2422712" cy="600087"/>
           </a:xfrm>
           <a:prstGeom prst="homePlate">
